--- a/HW1/게임프로그래밍.pptx
+++ b/HW1/게임프로그래밍.pptx
@@ -17,8 +17,9 @@
     <p:sldId id="274" r:id="rId11"/>
     <p:sldId id="275" r:id="rId12"/>
     <p:sldId id="276" r:id="rId13"/>
-    <p:sldId id="264" r:id="rId14"/>
-    <p:sldId id="265" r:id="rId15"/>
+    <p:sldId id="277" r:id="rId14"/>
+    <p:sldId id="264" r:id="rId15"/>
+    <p:sldId id="265" r:id="rId16"/>
   </p:sldIdLst>
   <p:sldSz cx="12192000" cy="6858000"/>
   <p:notesSz cx="6858000" cy="9144000"/>
@@ -3358,7 +3359,7 @@
           <a:p>
             <a:fld id="{9B3FE201-9BEF-4241-A6D7-B2E89239AFDF}" type="datetimeFigureOut">
               <a:rPr lang="ko-KR" altLang="en-US" smtClean="0"/>
-              <a:t>2020-10-03</a:t>
+              <a:t>2020-10-05</a:t>
             </a:fld>
             <a:endParaRPr lang="ko-KR" altLang="en-US"/>
           </a:p>
@@ -3556,7 +3557,7 @@
           <a:p>
             <a:fld id="{9B3FE201-9BEF-4241-A6D7-B2E89239AFDF}" type="datetimeFigureOut">
               <a:rPr lang="ko-KR" altLang="en-US" smtClean="0"/>
-              <a:t>2020-10-03</a:t>
+              <a:t>2020-10-05</a:t>
             </a:fld>
             <a:endParaRPr lang="ko-KR" altLang="en-US"/>
           </a:p>
@@ -3764,7 +3765,7 @@
           <a:p>
             <a:fld id="{9B3FE201-9BEF-4241-A6D7-B2E89239AFDF}" type="datetimeFigureOut">
               <a:rPr lang="ko-KR" altLang="en-US" smtClean="0"/>
-              <a:t>2020-10-03</a:t>
+              <a:t>2020-10-05</a:t>
             </a:fld>
             <a:endParaRPr lang="ko-KR" altLang="en-US"/>
           </a:p>
@@ -3962,7 +3963,7 @@
           <a:p>
             <a:fld id="{9B3FE201-9BEF-4241-A6D7-B2E89239AFDF}" type="datetimeFigureOut">
               <a:rPr lang="ko-KR" altLang="en-US" smtClean="0"/>
-              <a:t>2020-10-03</a:t>
+              <a:t>2020-10-05</a:t>
             </a:fld>
             <a:endParaRPr lang="ko-KR" altLang="en-US"/>
           </a:p>
@@ -4237,7 +4238,7 @@
           <a:p>
             <a:fld id="{9B3FE201-9BEF-4241-A6D7-B2E89239AFDF}" type="datetimeFigureOut">
               <a:rPr lang="ko-KR" altLang="en-US" smtClean="0"/>
-              <a:t>2020-10-03</a:t>
+              <a:t>2020-10-05</a:t>
             </a:fld>
             <a:endParaRPr lang="ko-KR" altLang="en-US"/>
           </a:p>
@@ -4502,7 +4503,7 @@
           <a:p>
             <a:fld id="{9B3FE201-9BEF-4241-A6D7-B2E89239AFDF}" type="datetimeFigureOut">
               <a:rPr lang="ko-KR" altLang="en-US" smtClean="0"/>
-              <a:t>2020-10-03</a:t>
+              <a:t>2020-10-05</a:t>
             </a:fld>
             <a:endParaRPr lang="ko-KR" altLang="en-US"/>
           </a:p>
@@ -4914,7 +4915,7 @@
           <a:p>
             <a:fld id="{9B3FE201-9BEF-4241-A6D7-B2E89239AFDF}" type="datetimeFigureOut">
               <a:rPr lang="ko-KR" altLang="en-US" smtClean="0"/>
-              <a:t>2020-10-03</a:t>
+              <a:t>2020-10-05</a:t>
             </a:fld>
             <a:endParaRPr lang="ko-KR" altLang="en-US"/>
           </a:p>
@@ -5055,7 +5056,7 @@
           <a:p>
             <a:fld id="{9B3FE201-9BEF-4241-A6D7-B2E89239AFDF}" type="datetimeFigureOut">
               <a:rPr lang="ko-KR" altLang="en-US" smtClean="0"/>
-              <a:t>2020-10-03</a:t>
+              <a:t>2020-10-05</a:t>
             </a:fld>
             <a:endParaRPr lang="ko-KR" altLang="en-US"/>
           </a:p>
@@ -5168,7 +5169,7 @@
           <a:p>
             <a:fld id="{9B3FE201-9BEF-4241-A6D7-B2E89239AFDF}" type="datetimeFigureOut">
               <a:rPr lang="ko-KR" altLang="en-US" smtClean="0"/>
-              <a:t>2020-10-03</a:t>
+              <a:t>2020-10-05</a:t>
             </a:fld>
             <a:endParaRPr lang="ko-KR" altLang="en-US"/>
           </a:p>
@@ -5479,7 +5480,7 @@
           <a:p>
             <a:fld id="{9B3FE201-9BEF-4241-A6D7-B2E89239AFDF}" type="datetimeFigureOut">
               <a:rPr lang="ko-KR" altLang="en-US" smtClean="0"/>
-              <a:t>2020-10-03</a:t>
+              <a:t>2020-10-05</a:t>
             </a:fld>
             <a:endParaRPr lang="ko-KR" altLang="en-US"/>
           </a:p>
@@ -5767,7 +5768,7 @@
           <a:p>
             <a:fld id="{9B3FE201-9BEF-4241-A6D7-B2E89239AFDF}" type="datetimeFigureOut">
               <a:rPr lang="ko-KR" altLang="en-US" smtClean="0"/>
-              <a:t>2020-10-03</a:t>
+              <a:t>2020-10-05</a:t>
             </a:fld>
             <a:endParaRPr lang="ko-KR" altLang="en-US"/>
           </a:p>
@@ -6011,7 +6012,7 @@
           <a:p>
             <a:fld id="{9B3FE201-9BEF-4241-A6D7-B2E89239AFDF}" type="datetimeFigureOut">
               <a:rPr lang="ko-KR" altLang="en-US" smtClean="0"/>
-              <a:t>2020-10-03</a:t>
+              <a:t>2020-10-05</a:t>
             </a:fld>
             <a:endParaRPr lang="ko-KR" altLang="en-US"/>
           </a:p>
@@ -9385,6 +9386,520 @@
         </p:nvSpPr>
         <p:spPr>
           <a:xfrm>
+            <a:off x="11724822" y="-656520"/>
+            <a:ext cx="494474" cy="494474"/>
+          </a:xfrm>
+          <a:prstGeom prst="rect">
+            <a:avLst/>
+          </a:prstGeom>
+          <a:solidFill>
+            <a:srgbClr val="FFECDB"/>
+          </a:solidFill>
+          <a:ln>
+            <a:noFill/>
+          </a:ln>
+        </p:spPr>
+        <p:style>
+          <a:lnRef idx="2">
+            <a:schemeClr val="accent1">
+              <a:shade val="50000"/>
+            </a:schemeClr>
+          </a:lnRef>
+          <a:fillRef idx="1">
+            <a:schemeClr val="accent1"/>
+          </a:fillRef>
+          <a:effectRef idx="0">
+            <a:schemeClr val="accent1"/>
+          </a:effectRef>
+          <a:fontRef idx="minor">
+            <a:schemeClr val="lt1"/>
+          </a:fontRef>
+        </p:style>
+        <p:txBody>
+          <a:bodyPr rtlCol="0" anchor="ctr"/>
+          <a:lstStyle/>
+          <a:p>
+            <a:pPr algn="ctr"/>
+            <a:endParaRPr lang="ko-KR" altLang="en-US"/>
+          </a:p>
+        </p:txBody>
+      </p:sp>
+      <p:sp>
+        <p:nvSpPr>
+          <p:cNvPr id="9" name="사각형: 둥근 모서리 8">
+            <a:extLst>
+              <a:ext uri="{FF2B5EF4-FFF2-40B4-BE49-F238E27FC236}">
+                <a16:creationId xmlns:a16="http://schemas.microsoft.com/office/drawing/2014/main" id="{FE429204-B845-4EA0-8D60-EE5DCA469DDE}"/>
+              </a:ext>
+            </a:extLst>
+          </p:cNvPr>
+          <p:cNvSpPr/>
+          <p:nvPr/>
+        </p:nvSpPr>
+        <p:spPr>
+          <a:xfrm>
+            <a:off x="134943" y="95407"/>
+            <a:ext cx="2485427" cy="463340"/>
+          </a:xfrm>
+          <a:prstGeom prst="roundRect">
+            <a:avLst>
+              <a:gd name="adj" fmla="val 50000"/>
+            </a:avLst>
+          </a:prstGeom>
+          <a:solidFill>
+            <a:srgbClr val="2E405A"/>
+          </a:solidFill>
+          <a:ln>
+            <a:noFill/>
+          </a:ln>
+        </p:spPr>
+        <p:style>
+          <a:lnRef idx="2">
+            <a:schemeClr val="accent1">
+              <a:shade val="50000"/>
+            </a:schemeClr>
+          </a:lnRef>
+          <a:fillRef idx="1">
+            <a:schemeClr val="accent1"/>
+          </a:fillRef>
+          <a:effectRef idx="0">
+            <a:schemeClr val="accent1"/>
+          </a:effectRef>
+          <a:fontRef idx="minor">
+            <a:schemeClr val="lt1"/>
+          </a:fontRef>
+        </p:style>
+        <p:txBody>
+          <a:bodyPr rtlCol="0" anchor="ctr"/>
+          <a:lstStyle/>
+          <a:p>
+            <a:pPr algn="ctr"/>
+            <a:r>
+              <a:rPr lang="en-US" altLang="ko-KR" sz="1400" dirty="0">
+                <a:latin typeface="DX영화자막 M" panose="02020600000000000000" pitchFamily="18" charset="-127"/>
+                <a:ea typeface="DX영화자막 M" panose="02020600000000000000" pitchFamily="18" charset="-127"/>
+                <a:cs typeface="함초롬바탕" panose="02030604000101010101" pitchFamily="18" charset="-127"/>
+              </a:rPr>
+              <a:t>4. </a:t>
+            </a:r>
+            <a:r>
+              <a:rPr lang="ko-KR" altLang="en-US" sz="1400" dirty="0">
+                <a:latin typeface="DX영화자막 M" panose="02020600000000000000" pitchFamily="18" charset="-127"/>
+                <a:ea typeface="DX영화자막 M" panose="02020600000000000000" pitchFamily="18" charset="-127"/>
+                <a:cs typeface="함초롬바탕" panose="02030604000101010101" pitchFamily="18" charset="-127"/>
+              </a:rPr>
+              <a:t>프로그램 실행 </a:t>
+            </a:r>
+            <a:r>
+              <a:rPr lang="en-US" altLang="ko-KR" sz="1400" dirty="0">
+                <a:latin typeface="DX영화자막 M" panose="02020600000000000000" pitchFamily="18" charset="-127"/>
+                <a:ea typeface="DX영화자막 M" panose="02020600000000000000" pitchFamily="18" charset="-127"/>
+                <a:cs typeface="함초롬바탕" panose="02030604000101010101" pitchFamily="18" charset="-127"/>
+              </a:rPr>
+              <a:t>&amp; </a:t>
+            </a:r>
+            <a:r>
+              <a:rPr lang="ko-KR" altLang="en-US" sz="1400" dirty="0">
+                <a:latin typeface="DX영화자막 M" panose="02020600000000000000" pitchFamily="18" charset="-127"/>
+                <a:ea typeface="DX영화자막 M" panose="02020600000000000000" pitchFamily="18" charset="-127"/>
+                <a:cs typeface="함초롬바탕" panose="02030604000101010101" pitchFamily="18" charset="-127"/>
+              </a:rPr>
+              <a:t>문서화</a:t>
+            </a:r>
+            <a:r>
+              <a:rPr lang="en-US" altLang="ko-KR" sz="1400" dirty="0">
+                <a:latin typeface="DX영화자막 M" panose="02020600000000000000" pitchFamily="18" charset="-127"/>
+                <a:ea typeface="DX영화자막 M" panose="02020600000000000000" pitchFamily="18" charset="-127"/>
+                <a:cs typeface="함초롬바탕" panose="02030604000101010101" pitchFamily="18" charset="-127"/>
+              </a:rPr>
+              <a:t> </a:t>
+            </a:r>
+            <a:endParaRPr lang="ko-KR" altLang="en-US" sz="1000" dirty="0">
+              <a:latin typeface="DX영화자막 M" panose="02020600000000000000" pitchFamily="18" charset="-127"/>
+              <a:ea typeface="DX영화자막 M" panose="02020600000000000000" pitchFamily="18" charset="-127"/>
+              <a:cs typeface="함초롬바탕" panose="02030604000101010101" pitchFamily="18" charset="-127"/>
+            </a:endParaRPr>
+          </a:p>
+        </p:txBody>
+      </p:sp>
+      <p:sp>
+        <p:nvSpPr>
+          <p:cNvPr id="20" name="TextBox 19">
+            <a:extLst>
+              <a:ext uri="{FF2B5EF4-FFF2-40B4-BE49-F238E27FC236}">
+                <a16:creationId xmlns:a16="http://schemas.microsoft.com/office/drawing/2014/main" id="{79D637FA-190C-4680-B7A6-087CF58B3AD8}"/>
+              </a:ext>
+            </a:extLst>
+          </p:cNvPr>
+          <p:cNvSpPr txBox="1"/>
+          <p:nvPr/>
+        </p:nvSpPr>
+        <p:spPr>
+          <a:xfrm>
+            <a:off x="-587442" y="558747"/>
+            <a:ext cx="2317750" cy="287002"/>
+          </a:xfrm>
+          <a:prstGeom prst="rect">
+            <a:avLst/>
+          </a:prstGeom>
+          <a:noFill/>
+        </p:spPr>
+        <p:txBody>
+          <a:bodyPr wrap="square" rtlCol="0">
+            <a:spAutoFit/>
+          </a:bodyPr>
+          <a:lstStyle/>
+          <a:p>
+            <a:pPr algn="ctr">
+              <a:lnSpc>
+                <a:spcPct val="120000"/>
+              </a:lnSpc>
+            </a:pPr>
+            <a:r>
+              <a:rPr lang="ko-KR" altLang="en-US" sz="1100" b="1" dirty="0">
+                <a:ln>
+                  <a:solidFill>
+                    <a:schemeClr val="accent1">
+                      <a:shade val="50000"/>
+                      <a:alpha val="0"/>
+                    </a:schemeClr>
+                  </a:solidFill>
+                </a:ln>
+                <a:latin typeface="DX영화자막 M" panose="02020600000000000000" pitchFamily="18" charset="-127"/>
+                <a:ea typeface="DX영화자막 M" panose="02020600000000000000" pitchFamily="18" charset="-127"/>
+              </a:rPr>
+              <a:t>    문서화</a:t>
+            </a:r>
+            <a:endParaRPr lang="ko-KR" altLang="en-US" sz="800" dirty="0">
+              <a:ln>
+                <a:solidFill>
+                  <a:schemeClr val="accent1">
+                    <a:shade val="50000"/>
+                    <a:alpha val="0"/>
+                  </a:schemeClr>
+                </a:solidFill>
+              </a:ln>
+              <a:latin typeface="DX영화자막 M" panose="02020600000000000000" pitchFamily="18" charset="-127"/>
+              <a:ea typeface="DX영화자막 M" panose="02020600000000000000" pitchFamily="18" charset="-127"/>
+            </a:endParaRPr>
+          </a:p>
+        </p:txBody>
+      </p:sp>
+      <p:sp>
+        <p:nvSpPr>
+          <p:cNvPr id="36" name="직사각형 35">
+            <a:extLst>
+              <a:ext uri="{FF2B5EF4-FFF2-40B4-BE49-F238E27FC236}">
+                <a16:creationId xmlns:a16="http://schemas.microsoft.com/office/drawing/2014/main" id="{6A7EED3A-00B8-4142-8FF9-02560970CBE5}"/>
+              </a:ext>
+            </a:extLst>
+          </p:cNvPr>
+          <p:cNvSpPr/>
+          <p:nvPr/>
+        </p:nvSpPr>
+        <p:spPr>
+          <a:xfrm>
+            <a:off x="476250" y="873760"/>
+            <a:ext cx="11369005" cy="5689599"/>
+          </a:xfrm>
+          <a:prstGeom prst="rect">
+            <a:avLst/>
+          </a:prstGeom>
+          <a:noFill/>
+          <a:ln>
+            <a:solidFill>
+              <a:srgbClr val="2E405A"/>
+            </a:solidFill>
+          </a:ln>
+        </p:spPr>
+        <p:style>
+          <a:lnRef idx="2">
+            <a:schemeClr val="accent1">
+              <a:shade val="50000"/>
+            </a:schemeClr>
+          </a:lnRef>
+          <a:fillRef idx="1">
+            <a:schemeClr val="accent1"/>
+          </a:fillRef>
+          <a:effectRef idx="0">
+            <a:schemeClr val="accent1"/>
+          </a:effectRef>
+          <a:fontRef idx="minor">
+            <a:schemeClr val="lt1"/>
+          </a:fontRef>
+        </p:style>
+        <p:txBody>
+          <a:bodyPr rtlCol="0" anchor="ctr"/>
+          <a:lstStyle/>
+          <a:p>
+            <a:pPr algn="ctr"/>
+            <a:endParaRPr lang="ko-KR" altLang="en-US">
+              <a:latin typeface="DX영화자막 M" panose="02020600000000000000" pitchFamily="18" charset="-127"/>
+              <a:ea typeface="DX영화자막 M" panose="02020600000000000000" pitchFamily="18" charset="-127"/>
+            </a:endParaRPr>
+          </a:p>
+        </p:txBody>
+      </p:sp>
+      <p:pic>
+        <p:nvPicPr>
+          <p:cNvPr id="38" name="그림 37">
+            <a:extLst>
+              <a:ext uri="{FF2B5EF4-FFF2-40B4-BE49-F238E27FC236}">
+                <a16:creationId xmlns:a16="http://schemas.microsoft.com/office/drawing/2014/main" id="{B2FDE43D-C3EF-46BE-9A55-8319037262DC}"/>
+              </a:ext>
+            </a:extLst>
+          </p:cNvPr>
+          <p:cNvPicPr>
+            <a:picLocks noChangeAspect="1"/>
+          </p:cNvPicPr>
+          <p:nvPr/>
+        </p:nvPicPr>
+        <p:blipFill>
+          <a:blip r:embed="rId2"/>
+          <a:stretch>
+            <a:fillRect/>
+          </a:stretch>
+        </p:blipFill>
+        <p:spPr>
+          <a:xfrm>
+            <a:off x="828937" y="2159641"/>
+            <a:ext cx="4548406" cy="2729044"/>
+          </a:xfrm>
+          <a:prstGeom prst="rect">
+            <a:avLst/>
+          </a:prstGeom>
+        </p:spPr>
+      </p:pic>
+      <p:pic>
+        <p:nvPicPr>
+          <p:cNvPr id="40" name="그림 39">
+            <a:extLst>
+              <a:ext uri="{FF2B5EF4-FFF2-40B4-BE49-F238E27FC236}">
+                <a16:creationId xmlns:a16="http://schemas.microsoft.com/office/drawing/2014/main" id="{63FDDD2E-5A8E-4A61-BBB0-A7A942652EEB}"/>
+              </a:ext>
+            </a:extLst>
+          </p:cNvPr>
+          <p:cNvPicPr>
+            <a:picLocks noChangeAspect="1"/>
+          </p:cNvPicPr>
+          <p:nvPr/>
+        </p:nvPicPr>
+        <p:blipFill>
+          <a:blip r:embed="rId3"/>
+          <a:stretch>
+            <a:fillRect/>
+          </a:stretch>
+        </p:blipFill>
+        <p:spPr>
+          <a:xfrm>
+            <a:off x="6412277" y="2028008"/>
+            <a:ext cx="5143718" cy="2860677"/>
+          </a:xfrm>
+          <a:prstGeom prst="rect">
+            <a:avLst/>
+          </a:prstGeom>
+        </p:spPr>
+      </p:pic>
+    </p:spTree>
+    <p:extLst>
+      <p:ext uri="{BB962C8B-B14F-4D97-AF65-F5344CB8AC3E}">
+        <p14:creationId xmlns:p14="http://schemas.microsoft.com/office/powerpoint/2010/main" val="3624482378"/>
+      </p:ext>
+    </p:extLst>
+  </p:cSld>
+  <p:clrMapOvr>
+    <a:masterClrMapping/>
+  </p:clrMapOvr>
+</p:sld>
+</file>
+
+<file path=ppt/slides/slide14.xml><?xml version="1.0" encoding="utf-8"?>
+<p:sld xmlns:a="http://schemas.openxmlformats.org/drawingml/2006/main" xmlns:r="http://schemas.openxmlformats.org/officeDocument/2006/relationships" xmlns:p="http://schemas.openxmlformats.org/presentationml/2006/main">
+  <p:cSld>
+    <p:spTree>
+      <p:nvGrpSpPr>
+        <p:cNvPr id="1" name=""/>
+        <p:cNvGrpSpPr/>
+        <p:nvPr/>
+      </p:nvGrpSpPr>
+      <p:grpSpPr>
+        <a:xfrm>
+          <a:off x="0" y="0"/>
+          <a:ext cx="0" cy="0"/>
+          <a:chOff x="0" y="0"/>
+          <a:chExt cx="0" cy="0"/>
+        </a:xfrm>
+      </p:grpSpPr>
+      <p:sp>
+        <p:nvSpPr>
+          <p:cNvPr id="4" name="직사각형 3">
+            <a:extLst>
+              <a:ext uri="{FF2B5EF4-FFF2-40B4-BE49-F238E27FC236}">
+                <a16:creationId xmlns:a16="http://schemas.microsoft.com/office/drawing/2014/main" id="{1A68708D-2ADB-46F8-89BC-E2BD56A8AE8C}"/>
+              </a:ext>
+            </a:extLst>
+          </p:cNvPr>
+          <p:cNvSpPr/>
+          <p:nvPr/>
+        </p:nvSpPr>
+        <p:spPr>
+          <a:xfrm>
+            <a:off x="9789511" y="-656520"/>
+            <a:ext cx="494474" cy="494474"/>
+          </a:xfrm>
+          <a:prstGeom prst="rect">
+            <a:avLst/>
+          </a:prstGeom>
+          <a:solidFill>
+            <a:srgbClr val="3F97AB"/>
+          </a:solidFill>
+          <a:ln>
+            <a:noFill/>
+          </a:ln>
+        </p:spPr>
+        <p:style>
+          <a:lnRef idx="2">
+            <a:schemeClr val="accent1">
+              <a:shade val="50000"/>
+            </a:schemeClr>
+          </a:lnRef>
+          <a:fillRef idx="1">
+            <a:schemeClr val="accent1"/>
+          </a:fillRef>
+          <a:effectRef idx="0">
+            <a:schemeClr val="accent1"/>
+          </a:effectRef>
+          <a:fontRef idx="minor">
+            <a:schemeClr val="lt1"/>
+          </a:fontRef>
+        </p:style>
+        <p:txBody>
+          <a:bodyPr rtlCol="0" anchor="ctr"/>
+          <a:lstStyle/>
+          <a:p>
+            <a:pPr algn="ctr"/>
+            <a:endParaRPr lang="ko-KR" altLang="en-US"/>
+          </a:p>
+        </p:txBody>
+      </p:sp>
+      <p:sp>
+        <p:nvSpPr>
+          <p:cNvPr id="6" name="직사각형 5">
+            <a:extLst>
+              <a:ext uri="{FF2B5EF4-FFF2-40B4-BE49-F238E27FC236}">
+                <a16:creationId xmlns:a16="http://schemas.microsoft.com/office/drawing/2014/main" id="{4649E323-5A0F-4262-AC10-FB2C174629C5}"/>
+              </a:ext>
+            </a:extLst>
+          </p:cNvPr>
+          <p:cNvSpPr/>
+          <p:nvPr/>
+        </p:nvSpPr>
+        <p:spPr>
+          <a:xfrm>
+            <a:off x="10425516" y="-656520"/>
+            <a:ext cx="494474" cy="494474"/>
+          </a:xfrm>
+          <a:prstGeom prst="rect">
+            <a:avLst/>
+          </a:prstGeom>
+          <a:solidFill>
+            <a:srgbClr val="2E405A"/>
+          </a:solidFill>
+          <a:ln>
+            <a:noFill/>
+          </a:ln>
+        </p:spPr>
+        <p:style>
+          <a:lnRef idx="2">
+            <a:schemeClr val="accent1">
+              <a:shade val="50000"/>
+            </a:schemeClr>
+          </a:lnRef>
+          <a:fillRef idx="1">
+            <a:schemeClr val="accent1"/>
+          </a:fillRef>
+          <a:effectRef idx="0">
+            <a:schemeClr val="accent1"/>
+          </a:effectRef>
+          <a:fontRef idx="minor">
+            <a:schemeClr val="lt1"/>
+          </a:fontRef>
+        </p:style>
+        <p:txBody>
+          <a:bodyPr rtlCol="0" anchor="ctr"/>
+          <a:lstStyle/>
+          <a:p>
+            <a:pPr algn="ctr"/>
+            <a:endParaRPr lang="ko-KR" altLang="en-US"/>
+          </a:p>
+        </p:txBody>
+      </p:sp>
+      <p:sp>
+        <p:nvSpPr>
+          <p:cNvPr id="7" name="직사각형 6">
+            <a:extLst>
+              <a:ext uri="{FF2B5EF4-FFF2-40B4-BE49-F238E27FC236}">
+                <a16:creationId xmlns:a16="http://schemas.microsoft.com/office/drawing/2014/main" id="{8D6BFF7C-1D2D-4AF2-8E22-9DA764411E26}"/>
+              </a:ext>
+            </a:extLst>
+          </p:cNvPr>
+          <p:cNvSpPr/>
+          <p:nvPr/>
+        </p:nvSpPr>
+        <p:spPr>
+          <a:xfrm>
+            <a:off x="11061521" y="-656520"/>
+            <a:ext cx="494474" cy="494474"/>
+          </a:xfrm>
+          <a:prstGeom prst="rect">
+            <a:avLst/>
+          </a:prstGeom>
+          <a:solidFill>
+            <a:srgbClr val="FC9680"/>
+          </a:solidFill>
+          <a:ln>
+            <a:noFill/>
+          </a:ln>
+        </p:spPr>
+        <p:style>
+          <a:lnRef idx="2">
+            <a:schemeClr val="accent1">
+              <a:shade val="50000"/>
+            </a:schemeClr>
+          </a:lnRef>
+          <a:fillRef idx="1">
+            <a:schemeClr val="accent1"/>
+          </a:fillRef>
+          <a:effectRef idx="0">
+            <a:schemeClr val="accent1"/>
+          </a:effectRef>
+          <a:fontRef idx="minor">
+            <a:schemeClr val="lt1"/>
+          </a:fontRef>
+        </p:style>
+        <p:txBody>
+          <a:bodyPr rtlCol="0" anchor="ctr"/>
+          <a:lstStyle/>
+          <a:p>
+            <a:pPr algn="ctr"/>
+            <a:endParaRPr lang="ko-KR" altLang="en-US"/>
+          </a:p>
+        </p:txBody>
+      </p:sp>
+      <p:sp>
+        <p:nvSpPr>
+          <p:cNvPr id="8" name="직사각형 7">
+            <a:extLst>
+              <a:ext uri="{FF2B5EF4-FFF2-40B4-BE49-F238E27FC236}">
+                <a16:creationId xmlns:a16="http://schemas.microsoft.com/office/drawing/2014/main" id="{D7B2001E-EECF-4821-9099-4CF1ECFDDA7B}"/>
+              </a:ext>
+            </a:extLst>
+          </p:cNvPr>
+          <p:cNvSpPr/>
+          <p:nvPr/>
+        </p:nvSpPr>
+        <p:spPr>
+          <a:xfrm>
             <a:off x="11697526" y="-656520"/>
             <a:ext cx="494474" cy="494474"/>
           </a:xfrm>
@@ -9703,7 +10218,7 @@
 </p:sld>
 </file>
 
-<file path=ppt/slides/slide14.xml><?xml version="1.0" encoding="utf-8"?>
+<file path=ppt/slides/slide15.xml><?xml version="1.0" encoding="utf-8"?>
 <p:sld xmlns:a="http://schemas.openxmlformats.org/drawingml/2006/main" xmlns:r="http://schemas.openxmlformats.org/officeDocument/2006/relationships" xmlns:p="http://schemas.openxmlformats.org/presentationml/2006/main">
   <p:cSld>
     <p:spTree>
